--- a/report_slide.pptx
+++ b/report_slide.pptx
@@ -144,7 +144,7 @@
   </p:defaultTextStyle>
   <p:extLst>
     <p:ext uri="{EFAFB233-063F-42B5-8137-9DF3F51BA10A}">
-      <p15:sldGuideLst xmlns="" xmlns:p15="http://schemas.microsoft.com/office/powerpoint/2012/main">
+      <p15:sldGuideLst xmlns:p15="http://schemas.microsoft.com/office/powerpoint/2012/main" xmlns="">
         <p15:guide id="1" orient="horz" pos="2160">
           <p15:clr>
             <a:srgbClr val="A4A3A4"/>
@@ -4991,11 +4991,7 @@
             </a:r>
             <a:r>
               <a:rPr kumimoji="1" lang="ja-JP" altLang="en-US" sz="2000" dirty="0" smtClean="0"/>
-              <a:t>錦織 </a:t>
-            </a:r>
-            <a:r>
-              <a:rPr kumimoji="1" lang="ja-JP" altLang="en-US" sz="2000" dirty="0" smtClean="0"/>
-              <a:t>秀</a:t>
+              <a:t>錦織 秀</a:t>
             </a:r>
             <a:endParaRPr kumimoji="1" lang="ja-JP" altLang="en-US" sz="2000" dirty="0"/>
           </a:p>
@@ -16006,11 +16002,11 @@
   <p:clrMapOvr>
     <a:masterClrMapping/>
   </p:clrMapOvr>
-  <mc:AlternateContent xmlns:mc="http://schemas.openxmlformats.org/markup-compatibility/2006">
-    <mc:Choice xmlns:p14="http://schemas.microsoft.com/office/powerpoint/2010/main" Requires="p14">
+  <mc:AlternateContent xmlns:mc="http://schemas.openxmlformats.org/markup-compatibility/2006" xmlns:p14="http://schemas.microsoft.com/office/powerpoint/2010/main">
+    <mc:Choice Requires="p14">
       <p:transition spd="slow" p14:dur="2000"/>
     </mc:Choice>
-    <mc:Fallback>
+    <mc:Fallback xmlns="">
       <p:transition spd="slow"/>
     </mc:Fallback>
   </mc:AlternateContent>
@@ -18824,11 +18820,11 @@
   <p:clrMapOvr>
     <a:masterClrMapping/>
   </p:clrMapOvr>
-  <mc:AlternateContent xmlns:mc="http://schemas.openxmlformats.org/markup-compatibility/2006">
-    <mc:Choice xmlns:p14="http://schemas.microsoft.com/office/powerpoint/2010/main" Requires="p14">
+  <mc:AlternateContent xmlns:mc="http://schemas.openxmlformats.org/markup-compatibility/2006" xmlns:p14="http://schemas.microsoft.com/office/powerpoint/2010/main">
+    <mc:Choice Requires="p14">
       <p:transition spd="slow" p14:dur="2000"/>
     </mc:Choice>
-    <mc:Fallback>
+    <mc:Fallback xmlns="">
       <p:transition spd="slow"/>
     </mc:Fallback>
   </mc:AlternateContent>
@@ -19021,11 +19017,11 @@
   <p:clrMapOvr>
     <a:masterClrMapping/>
   </p:clrMapOvr>
-  <mc:AlternateContent xmlns:mc="http://schemas.openxmlformats.org/markup-compatibility/2006">
-    <mc:Choice xmlns:p14="http://schemas.microsoft.com/office/powerpoint/2010/main" Requires="p14">
+  <mc:AlternateContent xmlns:mc="http://schemas.openxmlformats.org/markup-compatibility/2006" xmlns:p14="http://schemas.microsoft.com/office/powerpoint/2010/main">
+    <mc:Choice Requires="p14">
       <p:transition spd="slow" p14:dur="2000"/>
     </mc:Choice>
-    <mc:Fallback>
+    <mc:Fallback xmlns="">
       <p:transition spd="slow"/>
     </mc:Fallback>
   </mc:AlternateContent>
@@ -21830,11 +21826,11 @@
   <p:clrMapOvr>
     <a:masterClrMapping/>
   </p:clrMapOvr>
-  <mc:AlternateContent xmlns:mc="http://schemas.openxmlformats.org/markup-compatibility/2006">
-    <mc:Choice xmlns:p14="http://schemas.microsoft.com/office/powerpoint/2010/main" Requires="p14">
+  <mc:AlternateContent xmlns:mc="http://schemas.openxmlformats.org/markup-compatibility/2006" xmlns:p14="http://schemas.microsoft.com/office/powerpoint/2010/main">
+    <mc:Choice Requires="p14">
       <p:transition spd="slow" p14:dur="2000"/>
     </mc:Choice>
-    <mc:Fallback>
+    <mc:Fallback xmlns="">
       <p:transition spd="slow"/>
     </mc:Fallback>
   </mc:AlternateContent>
@@ -24739,8 +24735,8 @@
             <a:solidFill>
               <a:srgbClr val="FF0000"/>
             </a:solidFill>
-            <a:headEnd type="none" w="med" len="med"/>
-            <a:tailEnd type="arrow" w="med" len="med"/>
+            <a:headEnd type="arrow" w="med" len="med"/>
+            <a:tailEnd type="none" w="med" len="med"/>
           </a:ln>
         </p:spPr>
         <p:style>
@@ -24807,11 +24803,11 @@
   <p:clrMapOvr>
     <a:masterClrMapping/>
   </p:clrMapOvr>
-  <mc:AlternateContent xmlns:mc="http://schemas.openxmlformats.org/markup-compatibility/2006">
-    <mc:Choice xmlns:p14="http://schemas.microsoft.com/office/powerpoint/2010/main" Requires="p14">
+  <mc:AlternateContent xmlns:mc="http://schemas.openxmlformats.org/markup-compatibility/2006" xmlns:p14="http://schemas.microsoft.com/office/powerpoint/2010/main">
+    <mc:Choice Requires="p14">
       <p:transition spd="slow" p14:dur="2000"/>
     </mc:Choice>
-    <mc:Fallback>
+    <mc:Fallback xmlns="">
       <p:transition spd="slow"/>
     </mc:Fallback>
   </mc:AlternateContent>
@@ -27890,11 +27886,11 @@
   <p:clrMapOvr>
     <a:masterClrMapping/>
   </p:clrMapOvr>
-  <mc:AlternateContent xmlns:mc="http://schemas.openxmlformats.org/markup-compatibility/2006">
-    <mc:Choice xmlns:p14="http://schemas.microsoft.com/office/powerpoint/2010/main" Requires="p14">
+  <mc:AlternateContent xmlns:mc="http://schemas.openxmlformats.org/markup-compatibility/2006" xmlns:p14="http://schemas.microsoft.com/office/powerpoint/2010/main">
+    <mc:Choice Requires="p14">
       <p:transition spd="slow" p14:dur="2000"/>
     </mc:Choice>
-    <mc:Fallback>
+    <mc:Fallback xmlns="">
       <p:transition spd="slow"/>
     </mc:Fallback>
   </mc:AlternateContent>
@@ -31324,11 +31320,11 @@
   <p:clrMapOvr>
     <a:masterClrMapping/>
   </p:clrMapOvr>
-  <mc:AlternateContent xmlns:mc="http://schemas.openxmlformats.org/markup-compatibility/2006">
-    <mc:Choice xmlns:p14="http://schemas.microsoft.com/office/powerpoint/2010/main" Requires="p14">
+  <mc:AlternateContent xmlns:mc="http://schemas.openxmlformats.org/markup-compatibility/2006" xmlns:p14="http://schemas.microsoft.com/office/powerpoint/2010/main">
+    <mc:Choice Requires="p14">
       <p:transition spd="slow" p14:dur="2000"/>
     </mc:Choice>
-    <mc:Fallback>
+    <mc:Fallback xmlns="">
       <p:transition spd="slow"/>
     </mc:Fallback>
   </mc:AlternateContent>
@@ -31583,8 +31579,8 @@
           </a:p>
         </p:txBody>
       </p:sp>
-      <mc:AlternateContent xmlns:mc="http://schemas.openxmlformats.org/markup-compatibility/2006">
-        <mc:Choice xmlns:a14="http://schemas.microsoft.com/office/drawing/2010/main" Requires="a14">
+      <mc:AlternateContent xmlns:mc="http://schemas.openxmlformats.org/markup-compatibility/2006" xmlns:a14="http://schemas.microsoft.com/office/drawing/2010/main">
+        <mc:Choice Requires="a14">
           <p:sp>
             <p:nvSpPr>
               <p:cNvPr id="3" name="コンテンツ プレースホルダー 2"/>
@@ -32351,7 +32347,7 @@
             </p:txBody>
           </p:sp>
         </mc:Choice>
-        <mc:Fallback>
+        <mc:Fallback xmlns="">
           <p:sp>
             <p:nvSpPr>
               <p:cNvPr id="3" name="コンテンツ プレースホルダー 2"/>
@@ -32617,8 +32613,8 @@
           </a:p>
         </p:txBody>
       </p:sp>
-      <mc:AlternateContent xmlns:mc="http://schemas.openxmlformats.org/markup-compatibility/2006">
-        <mc:Choice xmlns:a14="http://schemas.microsoft.com/office/drawing/2010/main" Requires="a14">
+      <mc:AlternateContent xmlns:mc="http://schemas.openxmlformats.org/markup-compatibility/2006" xmlns:a14="http://schemas.microsoft.com/office/drawing/2010/main">
+        <mc:Choice Requires="a14">
           <p:graphicFrame>
             <p:nvGraphicFramePr>
               <p:cNvPr id="5" name="表 4"/>
@@ -32647,21 +32643,21 @@
                     <a:gridCol w="1175118">
                       <a:extLst>
                         <a:ext uri="{9D8B030D-6E8A-4147-A177-3AD203B41FA5}">
-                          <a16:colId xmlns="" xmlns:a16="http://schemas.microsoft.com/office/drawing/2014/main" val="20000"/>
+                          <a16:colId xmlns:a16="http://schemas.microsoft.com/office/drawing/2014/main" xmlns="" val="20000"/>
                         </a:ext>
                       </a:extLst>
                     </a:gridCol>
                     <a:gridCol w="1175119">
                       <a:extLst>
                         <a:ext uri="{9D8B030D-6E8A-4147-A177-3AD203B41FA5}">
-                          <a16:colId xmlns="" xmlns:a16="http://schemas.microsoft.com/office/drawing/2014/main" val="20001"/>
+                          <a16:colId xmlns:a16="http://schemas.microsoft.com/office/drawing/2014/main" xmlns="" val="20001"/>
                         </a:ext>
                       </a:extLst>
                     </a:gridCol>
                     <a:gridCol w="2157594">
                       <a:extLst>
                         <a:ext uri="{9D8B030D-6E8A-4147-A177-3AD203B41FA5}">
-                          <a16:colId xmlns="" xmlns:a16="http://schemas.microsoft.com/office/drawing/2014/main" val="20002"/>
+                          <a16:colId xmlns:a16="http://schemas.microsoft.com/office/drawing/2014/main" xmlns="" val="20002"/>
                         </a:ext>
                       </a:extLst>
                     </a:gridCol>
@@ -32773,7 +32769,7 @@
                     </a:tc>
                     <a:extLst>
                       <a:ext uri="{0D108BD9-81ED-4DB2-BD59-A6C34878D82A}">
-                        <a16:rowId xmlns="" xmlns:a16="http://schemas.microsoft.com/office/drawing/2014/main" val="10000"/>
+                        <a16:rowId xmlns:a16="http://schemas.microsoft.com/office/drawing/2014/main" xmlns="" val="10000"/>
                       </a:ext>
                     </a:extLst>
                   </a:tr>
@@ -32907,7 +32903,7 @@
                     </a:tc>
                     <a:extLst>
                       <a:ext uri="{0D108BD9-81ED-4DB2-BD59-A6C34878D82A}">
-                        <a16:rowId xmlns="" xmlns:a16="http://schemas.microsoft.com/office/drawing/2014/main" val="10001"/>
+                        <a16:rowId xmlns:a16="http://schemas.microsoft.com/office/drawing/2014/main" xmlns="" val="10001"/>
                       </a:ext>
                     </a:extLst>
                   </a:tr>
@@ -33049,7 +33045,7 @@
                     </a:tc>
                     <a:extLst>
                       <a:ext uri="{0D108BD9-81ED-4DB2-BD59-A6C34878D82A}">
-                        <a16:rowId xmlns="" xmlns:a16="http://schemas.microsoft.com/office/drawing/2014/main" val="10002"/>
+                        <a16:rowId xmlns:a16="http://schemas.microsoft.com/office/drawing/2014/main" xmlns="" val="10002"/>
                       </a:ext>
                     </a:extLst>
                   </a:tr>
@@ -33191,7 +33187,7 @@
                     </a:tc>
                     <a:extLst>
                       <a:ext uri="{0D108BD9-81ED-4DB2-BD59-A6C34878D82A}">
-                        <a16:rowId xmlns="" xmlns:a16="http://schemas.microsoft.com/office/drawing/2014/main" val="10003"/>
+                        <a16:rowId xmlns:a16="http://schemas.microsoft.com/office/drawing/2014/main" xmlns="" val="10003"/>
                       </a:ext>
                     </a:extLst>
                   </a:tr>
@@ -33341,7 +33337,7 @@
                     </a:tc>
                     <a:extLst>
                       <a:ext uri="{0D108BD9-81ED-4DB2-BD59-A6C34878D82A}">
-                        <a16:rowId xmlns="" xmlns:a16="http://schemas.microsoft.com/office/drawing/2014/main" val="10004"/>
+                        <a16:rowId xmlns:a16="http://schemas.microsoft.com/office/drawing/2014/main" xmlns="" val="10004"/>
                       </a:ext>
                     </a:extLst>
                   </a:tr>
@@ -33350,7 +33346,7 @@
             </a:graphic>
           </p:graphicFrame>
         </mc:Choice>
-        <mc:Fallback>
+        <mc:Fallback xmlns="">
           <p:graphicFrame>
             <p:nvGraphicFramePr>
               <p:cNvPr id="5" name="表 4"/>
@@ -33700,8 +33696,8 @@
           </p:graphicFrame>
         </mc:Fallback>
       </mc:AlternateContent>
-      <mc:AlternateContent xmlns:mc="http://schemas.openxmlformats.org/markup-compatibility/2006">
-        <mc:Choice xmlns:a14="http://schemas.microsoft.com/office/drawing/2010/main" Requires="a14">
+      <mc:AlternateContent xmlns:mc="http://schemas.openxmlformats.org/markup-compatibility/2006" xmlns:a14="http://schemas.microsoft.com/office/drawing/2010/main">
+        <mc:Choice Requires="a14">
           <p:sp>
             <p:nvSpPr>
               <p:cNvPr id="6" name="テキスト ボックス 5"/>
@@ -33797,7 +33793,7 @@
             </p:txBody>
           </p:sp>
         </mc:Choice>
-        <mc:Fallback>
+        <mc:Fallback xmlns="">
           <p:sp>
             <p:nvSpPr>
               <p:cNvPr id="6" name="テキスト ボックス 5"/>
@@ -33884,8 +33880,8 @@
             </p:nvSpPr>
             <p:spPr>
               <a:xfrm>
-                <a:off x="5392952" y="2719805"/>
-                <a:ext cx="3642560" cy="2308324"/>
+                <a:off x="5392952" y="2470973"/>
+                <a:ext cx="3642560" cy="2677656"/>
               </a:xfrm>
               <a:prstGeom prst="rect">
                 <a:avLst/>
@@ -33898,7 +33894,6 @@
               </a:bodyPr>
               <a:lstStyle/>
               <a:p>
-                <a:pPr/>
                 <a14:m>
                   <m:oMath xmlns:m="http://schemas.openxmlformats.org/officeDocument/2006/math">
                     <m:sSub>
@@ -33995,8 +33990,23 @@
                   <a:rPr lang="ja-JP" altLang="en-US" sz="2400" dirty="0" smtClean="0">
                     <a:latin typeface="Cambria Math" panose="02040503050406030204" pitchFamily="18" charset="0"/>
                   </a:rPr>
-                  <a:t>転送されている</a:t>
+                  <a:t>転送されて</a:t>
                 </a:r>
+                <a:r>
+                  <a:rPr lang="ja-JP" altLang="en-US" sz="2400" dirty="0" smtClean="0">
+                    <a:latin typeface="Cambria Math" panose="02040503050406030204" pitchFamily="18" charset="0"/>
+                  </a:rPr>
+                  <a:t>いる</a:t>
+                </a:r>
+                <a:endParaRPr lang="en-US" altLang="ja-JP" sz="2400" dirty="0" smtClean="0">
+                  <a:latin typeface="Cambria Math" panose="02040503050406030204" pitchFamily="18" charset="0"/>
+                </a:endParaRPr>
+              </a:p>
+              <a:p>
+                <a:pPr marL="342900" indent="-342900">
+                  <a:buFont typeface="Arial" panose="020B0604020202020204" pitchFamily="34" charset="0"/>
+                  <a:buChar char="•"/>
+                </a:pPr>
                 <a:endParaRPr kumimoji="1" lang="en-US" altLang="ja-JP" sz="2400" b="0" dirty="0" smtClean="0">
                   <a:latin typeface="Cambria Math" panose="02040503050406030204" pitchFamily="18" charset="0"/>
                 </a:endParaRPr>
@@ -34124,8 +34134,8 @@
             </p:nvSpPr>
             <p:spPr>
               <a:xfrm>
-                <a:off x="5392952" y="2719805"/>
-                <a:ext cx="3642560" cy="2308324"/>
+                <a:off x="5392952" y="2470973"/>
+                <a:ext cx="3642560" cy="2677656"/>
               </a:xfrm>
               <a:prstGeom prst="rect">
                 <a:avLst/>
@@ -34133,7 +34143,7 @@
               <a:blipFill rotWithShape="1">
                 <a:blip r:embed="rId5"/>
                 <a:stretch>
-                  <a:fillRect l="-2345" b="-4222"/>
+                  <a:fillRect l="-2345" b="-3409"/>
                 </a:stretch>
               </a:blipFill>
             </p:spPr>
@@ -37829,11 +37839,7 @@
           <a:p>
             <a:r>
               <a:rPr lang="ja-JP" altLang="en-US" dirty="0" smtClean="0"/>
-              <a:t>頑張った点</a:t>
-            </a:r>
-            <a:r>
-              <a:rPr lang="ja-JP" altLang="en-US" dirty="0" smtClean="0"/>
-              <a:t>はどこか</a:t>
+              <a:t>頑張った点はどこか</a:t>
             </a:r>
             <a:endParaRPr lang="ja-JP" altLang="en-US" dirty="0"/>
           </a:p>
@@ -38529,11 +38535,11 @@
   <p:clrMapOvr>
     <a:masterClrMapping/>
   </p:clrMapOvr>
-  <mc:AlternateContent xmlns:mc="http://schemas.openxmlformats.org/markup-compatibility/2006">
-    <mc:Choice xmlns:p14="http://schemas.microsoft.com/office/powerpoint/2010/main" Requires="p14">
+  <mc:AlternateContent xmlns:mc="http://schemas.openxmlformats.org/markup-compatibility/2006" xmlns:p14="http://schemas.microsoft.com/office/powerpoint/2010/main">
+    <mc:Choice Requires="p14">
       <p:transition spd="slow" p14:dur="2000"/>
     </mc:Choice>
-    <mc:Fallback>
+    <mc:Fallback xmlns="">
       <p:transition spd="slow"/>
     </mc:Fallback>
   </mc:AlternateContent>
@@ -39217,7 +39223,6 @@
               <a:rPr lang="ja-JP" altLang="en-US" dirty="0"/>
               <a:t>配送の実現</a:t>
             </a:r>
-            <a:endParaRPr lang="ja-JP" altLang="en-US" dirty="0"/>
           </a:p>
         </p:txBody>
       </p:sp>
@@ -39285,7 +39290,6 @@
               <a:rPr lang="ja-JP" altLang="en-US" dirty="0"/>
               <a:t>考案</a:t>
             </a:r>
-            <a:endParaRPr lang="ja-JP" altLang="en-US" dirty="0"/>
           </a:p>
         </p:txBody>
       </p:sp>
@@ -39600,7 +39604,6 @@
               <a:rPr lang="ja-JP" altLang="en-US" dirty="0"/>
               <a:t>サーバの分離</a:t>
             </a:r>
-            <a:endParaRPr lang="ja-JP" altLang="en-US" dirty="0"/>
           </a:p>
         </p:txBody>
       </p:sp>
@@ -39713,7 +39716,6 @@
               <a:rPr lang="ja-JP" altLang="en-US" dirty="0"/>
               <a:t>機能の実装（未完成）</a:t>
             </a:r>
-            <a:endParaRPr lang="ja-JP" altLang="en-US" dirty="0"/>
           </a:p>
         </p:txBody>
       </p:sp>
@@ -39762,7 +39764,6 @@
               <a:rPr lang="ja-JP" altLang="en-US" dirty="0"/>
               <a:t>低下実現用リピータの作成</a:t>
             </a:r>
-            <a:endParaRPr lang="ja-JP" altLang="en-US" dirty="0"/>
           </a:p>
         </p:txBody>
       </p:sp>
@@ -39919,7 +39920,6 @@
               <a:rPr lang="ja-JP" altLang="en-US" dirty="0"/>
               <a:t>機能の実装開始</a:t>
             </a:r>
-            <a:endParaRPr lang="ja-JP" altLang="en-US" dirty="0"/>
           </a:p>
         </p:txBody>
       </p:sp>
@@ -39948,7 +39948,6 @@
               <a:rPr lang="ja-JP" altLang="en-US" dirty="0"/>
               <a:t>追加機能実装完了</a:t>
             </a:r>
-            <a:endParaRPr lang="ja-JP" altLang="en-US" dirty="0"/>
           </a:p>
         </p:txBody>
       </p:sp>
@@ -40227,15 +40226,7 @@
                       </a:r>
                       <a:r>
                         <a:rPr kumimoji="1" lang="ja-JP" altLang="en-US" dirty="0" smtClean="0"/>
-                        <a:t>リスト・</a:t>
-                      </a:r>
-                      <a:r>
-                        <a:rPr kumimoji="1" lang="ja-JP" altLang="en-US" dirty="0" smtClean="0"/>
-                        <a:t>スライド・</a:t>
-                      </a:r>
-                      <a:r>
-                        <a:rPr kumimoji="1" lang="ja-JP" altLang="en-US" dirty="0" smtClean="0"/>
-                        <a:t>テスト</a:t>
+                        <a:t>リスト・スライド・テスト</a:t>
                       </a:r>
                       <a:endParaRPr kumimoji="1" lang="en-US" altLang="ja-JP" dirty="0" smtClean="0"/>
                     </a:p>
@@ -41002,7 +40993,7 @@
 </file>
 
 <file path=ppt/slides/slide7.xml><?xml version="1.0" encoding="utf-8"?>
-<p:sld xmlns:a="http://schemas.openxmlformats.org/drawingml/2006/main" xmlns:r="http://schemas.openxmlformats.org/officeDocument/2006/relationships" xmlns:p="http://schemas.openxmlformats.org/presentationml/2006/main">
+<p:sld xmlns:a="http://schemas.openxmlformats.org/drawingml/2006/main" xmlns:r="http://schemas.openxmlformats.org/officeDocument/2006/relationships" xmlns:p="http://schemas.openxmlformats.org/presentationml/2006/main" show="0">
   <p:cSld>
     <p:spTree>
       <p:nvGrpSpPr>
@@ -41097,6 +41088,14 @@
   <p:clrMapOvr>
     <a:masterClrMapping/>
   </p:clrMapOvr>
+  <mc:AlternateContent xmlns:mc="http://schemas.openxmlformats.org/markup-compatibility/2006">
+    <mc:Choice xmlns:p14="http://schemas.microsoft.com/office/powerpoint/2010/main" Requires="p14">
+      <p:transition spd="slow" p14:dur="2000"/>
+    </mc:Choice>
+    <mc:Fallback>
+      <p:transition spd="slow"/>
+    </mc:Fallback>
+  </mc:AlternateContent>
   <p:timing>
     <p:tnLst>
       <p:par>
@@ -41689,7 +41688,7 @@
   <a:extraClrSchemeLst/>
   <a:extLst>
     <a:ext uri="{05A4C25C-085E-4340-85A3-A5531E510DB2}">
-      <thm15:themeFamily xmlns="" xmlns:thm15="http://schemas.microsoft.com/office/thememl/2012/main" name="Office Theme" id="{62F939B6-93AF-4DB8-9C6B-D6C7DFDC589F}" vid="{4A3C46E8-61CC-4603-A589-7422A47A8E4A}"/>
+      <thm15:themeFamily xmlns:thm15="http://schemas.microsoft.com/office/thememl/2012/main" xmlns="" name="Office Theme" id="{62F939B6-93AF-4DB8-9C6B-D6C7DFDC589F}" vid="{4A3C46E8-61CC-4603-A589-7422A47A8E4A}"/>
     </a:ext>
   </a:extLst>
 </a:theme>
@@ -41950,7 +41949,7 @@
   <a:extraClrSchemeLst/>
   <a:extLst>
     <a:ext uri="{05A4C25C-085E-4340-85A3-A5531E510DB2}">
-      <thm15:themeFamily xmlns="" xmlns:thm15="http://schemas.microsoft.com/office/thememl/2012/main" name="Office Theme" id="{62F939B6-93AF-4DB8-9C6B-D6C7DFDC589F}" vid="{4A3C46E8-61CC-4603-A589-7422A47A8E4A}"/>
+      <thm15:themeFamily xmlns:thm15="http://schemas.microsoft.com/office/thememl/2012/main" xmlns="" name="Office Theme" id="{62F939B6-93AF-4DB8-9C6B-D6C7DFDC589F}" vid="{4A3C46E8-61CC-4603-A589-7422A47A8E4A}"/>
     </a:ext>
   </a:extLst>
 </a:theme>

--- a/report_slide.pptx
+++ b/report_slide.pptx
@@ -144,7 +144,7 @@
   </p:defaultTextStyle>
   <p:extLst>
     <p:ext uri="{EFAFB233-063F-42B5-8137-9DF3F51BA10A}">
-      <p15:sldGuideLst xmlns:p15="http://schemas.microsoft.com/office/powerpoint/2012/main" xmlns="">
+      <p15:sldGuideLst xmlns="" xmlns:p15="http://schemas.microsoft.com/office/powerpoint/2012/main">
         <p15:guide id="1" orient="horz" pos="2160">
           <p15:clr>
             <a:srgbClr val="A4A3A4"/>
@@ -243,7 +243,7 @@
           <a:p>
             <a:fld id="{BB39C861-1101-4B3A-BEDE-322B352BD3D2}" type="datetimeFigureOut">
               <a:rPr kumimoji="1" lang="ja-JP" altLang="en-US" smtClean="0"/>
-              <a:t>2017/2/6</a:t>
+              <a:t>2017/2/7</a:t>
             </a:fld>
             <a:endParaRPr kumimoji="1" lang="ja-JP" altLang="en-US"/>
           </a:p>
@@ -1832,7 +1832,7 @@
           <a:p>
             <a:fld id="{4C2FD539-D4B1-44EA-BB6B-D63097300640}" type="datetime1">
               <a:rPr kumimoji="1" lang="ja-JP" altLang="en-US" smtClean="0"/>
-              <a:t>2017/2/6</a:t>
+              <a:t>2017/2/7</a:t>
             </a:fld>
             <a:endParaRPr kumimoji="1" lang="ja-JP" altLang="en-US"/>
           </a:p>
@@ -2041,7 +2041,7 @@
           <a:p>
             <a:fld id="{BB146403-4B97-41D7-A8B6-E66EF6C6BD3E}" type="datetime1">
               <a:rPr kumimoji="1" lang="ja-JP" altLang="en-US" smtClean="0"/>
-              <a:t>2017/2/6</a:t>
+              <a:t>2017/2/7</a:t>
             </a:fld>
             <a:endParaRPr kumimoji="1" lang="ja-JP" altLang="en-US"/>
           </a:p>
@@ -2253,7 +2253,7 @@
           <a:p>
             <a:fld id="{6287255A-569C-49C5-8EEC-A62557E90FA8}" type="datetime1">
               <a:rPr kumimoji="1" lang="ja-JP" altLang="en-US" smtClean="0"/>
-              <a:t>2017/2/6</a:t>
+              <a:t>2017/2/7</a:t>
             </a:fld>
             <a:endParaRPr kumimoji="1" lang="ja-JP" altLang="en-US"/>
           </a:p>
@@ -2455,7 +2455,7 @@
           <a:p>
             <a:fld id="{4305A3F9-C7C1-403C-88BD-79E5D56EA188}" type="datetime1">
               <a:rPr kumimoji="1" lang="ja-JP" altLang="en-US" smtClean="0"/>
-              <a:t>2017/2/6</a:t>
+              <a:t>2017/2/7</a:t>
             </a:fld>
             <a:endParaRPr kumimoji="1" lang="ja-JP" altLang="en-US"/>
           </a:p>
@@ -2699,7 +2699,7 @@
           <a:p>
             <a:fld id="{BFB32F04-7351-4FDD-9E72-848D13BB8221}" type="datetime1">
               <a:rPr kumimoji="1" lang="ja-JP" altLang="en-US" smtClean="0"/>
-              <a:t>2017/2/6</a:t>
+              <a:t>2017/2/7</a:t>
             </a:fld>
             <a:endParaRPr kumimoji="1" lang="ja-JP" altLang="en-US"/>
           </a:p>
@@ -2995,7 +2995,7 @@
           <a:p>
             <a:fld id="{603FF5A9-4E1D-4B1D-B197-3468D4A78390}" type="datetime1">
               <a:rPr kumimoji="1" lang="ja-JP" altLang="en-US" smtClean="0"/>
-              <a:t>2017/2/6</a:t>
+              <a:t>2017/2/7</a:t>
             </a:fld>
             <a:endParaRPr kumimoji="1" lang="ja-JP" altLang="en-US"/>
           </a:p>
@@ -3426,7 +3426,7 @@
           <a:p>
             <a:fld id="{2BFBB4D5-6ADF-4B0F-9723-C43F2E09DC72}" type="datetime1">
               <a:rPr kumimoji="1" lang="ja-JP" altLang="en-US" smtClean="0"/>
-              <a:t>2017/2/6</a:t>
+              <a:t>2017/2/7</a:t>
             </a:fld>
             <a:endParaRPr kumimoji="1" lang="ja-JP" altLang="en-US"/>
           </a:p>
@@ -3544,7 +3544,7 @@
           <a:p>
             <a:fld id="{179DD849-C7A5-42C7-B556-376074735F09}" type="datetime1">
               <a:rPr kumimoji="1" lang="ja-JP" altLang="en-US" smtClean="0"/>
-              <a:t>2017/2/6</a:t>
+              <a:t>2017/2/7</a:t>
             </a:fld>
             <a:endParaRPr kumimoji="1" lang="ja-JP" altLang="en-US"/>
           </a:p>
@@ -3639,7 +3639,7 @@
           <a:p>
             <a:fld id="{0145B7EB-87C0-4669-8C93-2B04B7B07124}" type="datetime1">
               <a:rPr kumimoji="1" lang="ja-JP" altLang="en-US" smtClean="0"/>
-              <a:t>2017/2/6</a:t>
+              <a:t>2017/2/7</a:t>
             </a:fld>
             <a:endParaRPr kumimoji="1" lang="ja-JP" altLang="en-US"/>
           </a:p>
@@ -3948,7 +3948,7 @@
           <a:p>
             <a:fld id="{92DCF96C-E9EB-4FF2-BA9A-1254F84F9B2C}" type="datetime1">
               <a:rPr kumimoji="1" lang="ja-JP" altLang="en-US" smtClean="0"/>
-              <a:t>2017/2/6</a:t>
+              <a:t>2017/2/7</a:t>
             </a:fld>
             <a:endParaRPr kumimoji="1" lang="ja-JP" altLang="en-US"/>
           </a:p>
@@ -4205,7 +4205,7 @@
           <a:p>
             <a:fld id="{C2003FEA-32B8-4477-AB04-EB048FB7A908}" type="datetime1">
               <a:rPr kumimoji="1" lang="ja-JP" altLang="en-US" smtClean="0"/>
-              <a:t>2017/2/6</a:t>
+              <a:t>2017/2/7</a:t>
             </a:fld>
             <a:endParaRPr kumimoji="1" lang="ja-JP" altLang="en-US"/>
           </a:p>
@@ -4450,7 +4450,7 @@
           <a:p>
             <a:fld id="{0C3AFF54-947D-4C03-814E-58BEEDD2027A}" type="datetime1">
               <a:rPr kumimoji="1" lang="ja-JP" altLang="en-US" smtClean="0"/>
-              <a:t>2017/2/6</a:t>
+              <a:t>2017/2/7</a:t>
             </a:fld>
             <a:endParaRPr kumimoji="1" lang="ja-JP" altLang="en-US"/>
           </a:p>
@@ -4982,16 +4982,16 @@
           <a:p>
             <a:pPr algn="r"/>
             <a:r>
-              <a:rPr lang="ja-JP" altLang="en-US" sz="2000" dirty="0"/>
-              <a:t> </a:t>
-            </a:r>
-            <a:r>
-              <a:rPr lang="en-US" altLang="ja-JP" sz="2000" dirty="0" smtClean="0"/>
+              <a:rPr kumimoji="1" lang="ja-JP" altLang="en-US" sz="2000" dirty="0" smtClean="0"/>
+              <a:t>錦織 秀 </a:t>
+            </a:r>
+            <a:r>
+              <a:rPr lang="en-US" altLang="ja-JP" sz="2000" dirty="0"/>
               <a:t>33E16015 </a:t>
             </a:r>
             <a:r>
-              <a:rPr kumimoji="1" lang="ja-JP" altLang="en-US" sz="2000" dirty="0" smtClean="0"/>
-              <a:t>錦織 秀</a:t>
+              <a:rPr kumimoji="1" lang="en-US" altLang="ja-JP" sz="2000" dirty="0" smtClean="0"/>
+              <a:t>nishikori.shu@ist.osaka-u.ac.jp</a:t>
             </a:r>
             <a:endParaRPr kumimoji="1" lang="ja-JP" altLang="en-US" sz="2000" dirty="0"/>
           </a:p>
@@ -5993,7 +5993,11 @@
           <a:bodyPr/>
           <a:lstStyle/>
           <a:p>
-            <a:endParaRPr kumimoji="1" lang="ja-JP" altLang="en-US"/>
+            <a:r>
+              <a:rPr lang="ja-JP" altLang="en-US" dirty="0" smtClean="0"/>
+              <a:t>コントローラ起動</a:t>
+            </a:r>
+            <a:endParaRPr kumimoji="1" lang="ja-JP" altLang="en-US" dirty="0"/>
           </a:p>
         </p:txBody>
       </p:sp>
@@ -8329,7 +8333,15 @@
           <a:bodyPr/>
           <a:lstStyle/>
           <a:p>
-            <a:endParaRPr kumimoji="1" lang="ja-JP" altLang="en-US"/>
+            <a:r>
+              <a:rPr lang="ja-JP" altLang="en-US" dirty="0"/>
+              <a:t>管理用</a:t>
+            </a:r>
+            <a:r>
+              <a:rPr lang="ja-JP" altLang="en-US" dirty="0" smtClean="0"/>
+              <a:t>端末起動</a:t>
+            </a:r>
+            <a:endParaRPr kumimoji="1" lang="ja-JP" altLang="en-US" dirty="0"/>
           </a:p>
         </p:txBody>
       </p:sp>
@@ -10695,10 +10707,28 @@
         </p:nvSpPr>
         <p:spPr/>
         <p:txBody>
-          <a:bodyPr/>
+          <a:bodyPr>
+            <a:normAutofit/>
+          </a:bodyPr>
           <a:lstStyle/>
           <a:p>
-            <a:endParaRPr kumimoji="1" lang="ja-JP" altLang="en-US"/>
+            <a:r>
+              <a:rPr lang="en-US" altLang="ja-JP" dirty="0"/>
+              <a:t>Web</a:t>
+            </a:r>
+            <a:r>
+              <a:rPr lang="ja-JP" altLang="en-US" dirty="0" smtClean="0"/>
+              <a:t>サーバ・</a:t>
+            </a:r>
+            <a:r>
+              <a:rPr lang="en-US" altLang="ja-JP" dirty="0" smtClean="0"/>
+              <a:t>VM</a:t>
+            </a:r>
+            <a:r>
+              <a:rPr lang="ja-JP" altLang="en-US" dirty="0" smtClean="0"/>
+              <a:t>マネージャ起動</a:t>
+            </a:r>
+            <a:endParaRPr kumimoji="1" lang="ja-JP" altLang="en-US" dirty="0"/>
           </a:p>
         </p:txBody>
       </p:sp>
@@ -13252,12 +13282,20 @@
           <a:lstStyle/>
           <a:p>
             <a:r>
-              <a:rPr lang="en-US" altLang="ja-JP" sz="3600" dirty="0" smtClean="0"/>
-              <a:t>2.2.1 </a:t>
-            </a:r>
-            <a:r>
               <a:rPr lang="ja-JP" altLang="en-US" dirty="0" smtClean="0"/>
-              <a:t>ユーザのコンテナ立ち上げ要求</a:t>
+              <a:t>ユーザ</a:t>
+            </a:r>
+            <a:r>
+              <a:rPr lang="en-US" altLang="ja-JP" dirty="0" smtClean="0"/>
+              <a:t>1</a:t>
+            </a:r>
+            <a:r>
+              <a:rPr lang="ja-JP" altLang="en-US" dirty="0" smtClean="0"/>
+              <a:t>の</a:t>
+            </a:r>
+            <a:r>
+              <a:rPr lang="ja-JP" altLang="en-US" dirty="0" smtClean="0"/>
+              <a:t>コンテナ立ち上げ要求</a:t>
             </a:r>
             <a:endParaRPr kumimoji="1" lang="ja-JP" altLang="en-US" dirty="0"/>
           </a:p>
@@ -31394,72 +31432,129 @@
         </p:nvSpPr>
         <p:spPr/>
         <p:txBody>
-          <a:bodyPr/>
+          <a:bodyPr>
+            <a:normAutofit fontScale="70000" lnSpcReduction="20000"/>
+          </a:bodyPr>
           <a:lstStyle/>
           <a:p>
             <a:pPr marL="0" indent="0">
               <a:buNone/>
             </a:pPr>
             <a:r>
-              <a:rPr kumimoji="1" lang="ja-JP" altLang="en-US" dirty="0" smtClean="0"/>
-              <a:t>目的</a:t>
-            </a:r>
-            <a:endParaRPr kumimoji="1" lang="en-US" altLang="ja-JP" dirty="0" smtClean="0"/>
-          </a:p>
-          <a:p>
-            <a:r>
-              <a:rPr kumimoji="1" lang="ja-JP" altLang="en-US" dirty="0" smtClean="0"/>
-              <a:t>パフォーマンスの低下したスイッチ</a:t>
+              <a:rPr lang="ja-JP" altLang="en-US" b="1" dirty="0" smtClean="0"/>
+              <a:t>背景</a:t>
+            </a:r>
+            <a:endParaRPr lang="ja-JP" altLang="en-US" b="1" dirty="0"/>
+          </a:p>
+          <a:p>
+            <a:r>
+              <a:rPr lang="ja-JP" altLang="en-US" dirty="0" smtClean="0"/>
+              <a:t>スイッチは</a:t>
             </a:r>
             <a:r>
               <a:rPr lang="ja-JP" altLang="en-US" dirty="0"/>
-              <a:t>を</a:t>
-            </a:r>
-            <a:r>
-              <a:rPr kumimoji="1" lang="ja-JP" altLang="en-US" dirty="0" smtClean="0"/>
-              <a:t>検出して</a:t>
-            </a:r>
-            <a:r>
-              <a:rPr kumimoji="1" lang="en-US" altLang="ja-JP" dirty="0" smtClean="0"/>
-              <a:t/>
-            </a:r>
-            <a:br>
-              <a:rPr kumimoji="1" lang="en-US" altLang="ja-JP" dirty="0" smtClean="0"/>
-            </a:br>
+              <a:t>経年</a:t>
+            </a:r>
             <a:r>
               <a:rPr lang="ja-JP" altLang="en-US" dirty="0" smtClean="0"/>
-              <a:t>パスから除外</a:t>
-            </a:r>
-            <a:endParaRPr kumimoji="1" lang="en-US" altLang="ja-JP" dirty="0" smtClean="0"/>
-          </a:p>
-          <a:p>
-            <a:endParaRPr lang="en-US" altLang="ja-JP" dirty="0" smtClean="0"/>
+              <a:t>劣化でパフォーマンスが低下する</a:t>
+            </a:r>
+            <a:endParaRPr lang="ja-JP" altLang="en-US" dirty="0"/>
+          </a:p>
+          <a:p>
+            <a:r>
+              <a:rPr lang="ja-JP" altLang="en-US" dirty="0"/>
+              <a:t>パフォーマンス</a:t>
+            </a:r>
+            <a:r>
+              <a:rPr lang="ja-JP" altLang="en-US" dirty="0" smtClean="0"/>
+              <a:t>が</a:t>
+            </a:r>
+            <a:r>
+              <a:rPr lang="ja-JP" altLang="en-US" dirty="0"/>
+              <a:t>低下</a:t>
+            </a:r>
+            <a:r>
+              <a:rPr lang="ja-JP" altLang="en-US" dirty="0" smtClean="0"/>
+              <a:t>したスイッチを使用し続けるとネットワーク全体の通信品質が低下する</a:t>
+            </a:r>
+            <a:endParaRPr lang="ja-JP" altLang="en-US" dirty="0"/>
+          </a:p>
+          <a:p>
+            <a:r>
+              <a:rPr lang="ja-JP" altLang="en-US" dirty="0" smtClean="0"/>
+              <a:t>スイッチ</a:t>
+            </a:r>
+            <a:r>
+              <a:rPr lang="ja-JP" altLang="en-US" dirty="0"/>
+              <a:t>を直したり新しい</a:t>
+            </a:r>
+            <a:r>
+              <a:rPr lang="ja-JP" altLang="en-US" dirty="0" smtClean="0"/>
+              <a:t>ものに交換</a:t>
+            </a:r>
+            <a:r>
+              <a:rPr lang="ja-JP" altLang="en-US" dirty="0"/>
+              <a:t>できない</a:t>
+            </a:r>
           </a:p>
           <a:p>
             <a:pPr marL="0" indent="0">
               <a:buNone/>
             </a:pPr>
             <a:r>
+              <a:rPr lang="ja-JP" altLang="en-US" b="1" dirty="0"/>
+              <a:t>目的</a:t>
+            </a:r>
+            <a:r>
               <a:rPr lang="ja-JP" altLang="en-US" dirty="0"/>
+              <a:t> </a:t>
+            </a:r>
+          </a:p>
+          <a:p>
+            <a:r>
+              <a:rPr lang="ja-JP" altLang="en-US" dirty="0"/>
+              <a:t>パフォーマンスの低下したスイッチを検出し，パス計算時に除外することで</a:t>
+            </a:r>
+            <a:r>
+              <a:rPr lang="ja-JP" altLang="en-US" dirty="0" smtClean="0"/>
+              <a:t>ネットワークの通信品質低下を軽減する</a:t>
+            </a:r>
+            <a:endParaRPr lang="en-US" altLang="ja-JP" dirty="0" smtClean="0"/>
+          </a:p>
+          <a:p>
+            <a:r>
+              <a:rPr lang="ja-JP" altLang="en-US" dirty="0"/>
+              <a:t>パフォーマンスの低下した</a:t>
+            </a:r>
+            <a:r>
+              <a:rPr lang="ja-JP" altLang="en-US" dirty="0" smtClean="0"/>
+              <a:t>スイッチを使用しないことで修理や交換を可能にする</a:t>
+            </a:r>
+            <a:endParaRPr lang="en-US" altLang="ja-JP" dirty="0" smtClean="0"/>
+          </a:p>
+          <a:p>
+            <a:pPr marL="0" indent="0">
+              <a:buNone/>
+            </a:pPr>
+            <a:r>
+              <a:rPr lang="ja-JP" altLang="en-US" b="1" dirty="0"/>
               <a:t>手法</a:t>
             </a:r>
-            <a:endParaRPr lang="en-US" altLang="ja-JP" dirty="0"/>
+            <a:endParaRPr lang="en-US" altLang="ja-JP" b="1" dirty="0"/>
           </a:p>
           <a:p>
             <a:r>
               <a:rPr kumimoji="1" lang="ja-JP" altLang="en-US" dirty="0" smtClean="0"/>
-              <a:t>コントローラは各スイッチに</a:t>
-            </a:r>
-            <a:r>
-              <a:rPr kumimoji="1" lang="en-US" altLang="ja-JP" dirty="0" smtClean="0"/>
-              <a:t/>
-            </a:r>
-            <a:br>
-              <a:rPr kumimoji="1" lang="en-US" altLang="ja-JP" dirty="0" smtClean="0"/>
-            </a:br>
+              <a:t>コントローラは各スイッチ</a:t>
+            </a:r>
             <a:r>
               <a:rPr kumimoji="1" lang="ja-JP" altLang="en-US" dirty="0" smtClean="0"/>
-              <a:t>送受信パケット数情報を定期的に</a:t>
+              <a:t>に送受信</a:t>
+            </a:r>
+            <a:r>
+              <a:rPr kumimoji="1" lang="ja-JP" altLang="en-US" dirty="0" smtClean="0"/>
+              <a:t>パケット数情報を定期的に</a:t>
             </a:r>
             <a:r>
               <a:rPr lang="ja-JP" altLang="en-US" dirty="0" smtClean="0"/>
@@ -31470,18 +31565,15 @@
           <a:p>
             <a:r>
               <a:rPr kumimoji="1" lang="ja-JP" altLang="en-US" dirty="0" smtClean="0"/>
-              <a:t>パフォーマンスが低下したスイッチを</a:t>
-            </a:r>
-            <a:r>
-              <a:rPr kumimoji="1" lang="en-US" altLang="ja-JP" dirty="0" smtClean="0"/>
-              <a:t/>
-            </a:r>
-            <a:br>
-              <a:rPr kumimoji="1" lang="en-US" altLang="ja-JP" dirty="0" smtClean="0"/>
-            </a:br>
+              <a:t>パフォーマンスが低下したスイッチ</a:t>
+            </a:r>
             <a:r>
               <a:rPr kumimoji="1" lang="ja-JP" altLang="en-US" dirty="0" smtClean="0"/>
-              <a:t>パス計算時に除外</a:t>
+              <a:t>をパス</a:t>
+            </a:r>
+            <a:r>
+              <a:rPr kumimoji="1" lang="ja-JP" altLang="en-US" dirty="0" smtClean="0"/>
+              <a:t>計算時に除外</a:t>
             </a:r>
             <a:endParaRPr kumimoji="1" lang="ja-JP" altLang="en-US" dirty="0"/>
           </a:p>
@@ -31579,8 +31671,8 @@
           </a:p>
         </p:txBody>
       </p:sp>
-      <mc:AlternateContent xmlns:mc="http://schemas.openxmlformats.org/markup-compatibility/2006" xmlns:a14="http://schemas.microsoft.com/office/drawing/2010/main">
-        <mc:Choice Requires="a14">
+      <mc:AlternateContent xmlns:mc="http://schemas.openxmlformats.org/markup-compatibility/2006">
+        <mc:Choice xmlns:a14="http://schemas.microsoft.com/office/drawing/2010/main" Requires="a14">
           <p:sp>
             <p:nvSpPr>
               <p:cNvPr id="3" name="コンテンツ プレースホルダー 2"/>
@@ -31663,7 +31755,7 @@
                           <a:rPr lang="en-US" altLang="ja-JP" b="0" i="1" smtClean="0">
                             <a:latin typeface="Cambria Math"/>
                           </a:rPr>
-                          <m:t>𝑇</m:t>
+                          <m:t>𝑅</m:t>
                         </m:r>
                       </m:e>
                       <m:sub>
@@ -31706,7 +31798,7 @@
                           <a:rPr lang="en-US" altLang="ja-JP" b="0" i="1" smtClean="0">
                             <a:latin typeface="Cambria Math"/>
                           </a:rPr>
-                          <m:t>𝑅</m:t>
+                          <m:t>𝐹</m:t>
                         </m:r>
                       </m:e>
                       <m:sub>
@@ -31836,7 +31928,7 @@
                                 </a:solidFill>
                                 <a:latin typeface="Cambria Math"/>
                               </a:rPr>
-                              <m:t>𝑅</m:t>
+                              <m:t>𝐹</m:t>
                             </m:r>
                           </m:e>
                           <m:sub>
@@ -31879,7 +31971,7 @@
                                 </a:solidFill>
                                 <a:latin typeface="Cambria Math"/>
                               </a:rPr>
-                              <m:t>𝑅</m:t>
+                              <m:t>𝐹</m:t>
                             </m:r>
                           </m:e>
                           <m:sub>
@@ -31924,7 +32016,7 @@
                                 </a:solidFill>
                                 <a:latin typeface="Cambria Math"/>
                               </a:rPr>
-                              <m:t>𝑇</m:t>
+                              <m:t>𝑅</m:t>
                             </m:r>
                           </m:e>
                           <m:sub>
@@ -31967,7 +32059,7 @@
                                 </a:solidFill>
                                 <a:latin typeface="Cambria Math"/>
                               </a:rPr>
-                              <m:t>𝑇</m:t>
+                              <m:t>𝑅</m:t>
                             </m:r>
                           </m:e>
                           <m:sub>
@@ -32112,7 +32204,7 @@
                                 </a:solidFill>
                                 <a:latin typeface="Cambria Math"/>
                               </a:rPr>
-                              <m:t>𝑅</m:t>
+                              <m:t>𝐹</m:t>
                             </m:r>
                           </m:e>
                           <m:sub>
@@ -32155,7 +32247,7 @@
                                 </a:solidFill>
                                 <a:latin typeface="Cambria Math"/>
                               </a:rPr>
-                              <m:t>𝑅</m:t>
+                              <m:t>𝐹</m:t>
                             </m:r>
                           </m:e>
                           <m:sub>
@@ -32347,7 +32439,7 @@
             </p:txBody>
           </p:sp>
         </mc:Choice>
-        <mc:Fallback xmlns="">
+        <mc:Fallback>
           <p:sp>
             <p:nvSpPr>
               <p:cNvPr id="3" name="コンテンツ プレースホルダー 2"/>
@@ -32643,21 +32735,21 @@
                     <a:gridCol w="1175118">
                       <a:extLst>
                         <a:ext uri="{9D8B030D-6E8A-4147-A177-3AD203B41FA5}">
-                          <a16:colId xmlns:a16="http://schemas.microsoft.com/office/drawing/2014/main" xmlns="" val="20000"/>
+                          <a16:colId xmlns="" xmlns:a16="http://schemas.microsoft.com/office/drawing/2014/main" val="20000"/>
                         </a:ext>
                       </a:extLst>
                     </a:gridCol>
                     <a:gridCol w="1175119">
                       <a:extLst>
                         <a:ext uri="{9D8B030D-6E8A-4147-A177-3AD203B41FA5}">
-                          <a16:colId xmlns:a16="http://schemas.microsoft.com/office/drawing/2014/main" xmlns="" val="20001"/>
+                          <a16:colId xmlns="" xmlns:a16="http://schemas.microsoft.com/office/drawing/2014/main" val="20001"/>
                         </a:ext>
                       </a:extLst>
                     </a:gridCol>
                     <a:gridCol w="2157594">
                       <a:extLst>
                         <a:ext uri="{9D8B030D-6E8A-4147-A177-3AD203B41FA5}">
-                          <a16:colId xmlns:a16="http://schemas.microsoft.com/office/drawing/2014/main" xmlns="" val="20002"/>
+                          <a16:colId xmlns="" xmlns:a16="http://schemas.microsoft.com/office/drawing/2014/main" val="20002"/>
                         </a:ext>
                       </a:extLst>
                     </a:gridCol>
@@ -32769,7 +32861,7 @@
                     </a:tc>
                     <a:extLst>
                       <a:ext uri="{0D108BD9-81ED-4DB2-BD59-A6C34878D82A}">
-                        <a16:rowId xmlns:a16="http://schemas.microsoft.com/office/drawing/2014/main" xmlns="" val="10000"/>
+                        <a16:rowId xmlns="" xmlns:a16="http://schemas.microsoft.com/office/drawing/2014/main" val="10000"/>
                       </a:ext>
                     </a:extLst>
                   </a:tr>
@@ -32903,7 +32995,7 @@
                     </a:tc>
                     <a:extLst>
                       <a:ext uri="{0D108BD9-81ED-4DB2-BD59-A6C34878D82A}">
-                        <a16:rowId xmlns:a16="http://schemas.microsoft.com/office/drawing/2014/main" xmlns="" val="10001"/>
+                        <a16:rowId xmlns="" xmlns:a16="http://schemas.microsoft.com/office/drawing/2014/main" val="10001"/>
                       </a:ext>
                     </a:extLst>
                   </a:tr>
@@ -33045,7 +33137,7 @@
                     </a:tc>
                     <a:extLst>
                       <a:ext uri="{0D108BD9-81ED-4DB2-BD59-A6C34878D82A}">
-                        <a16:rowId xmlns:a16="http://schemas.microsoft.com/office/drawing/2014/main" xmlns="" val="10002"/>
+                        <a16:rowId xmlns="" xmlns:a16="http://schemas.microsoft.com/office/drawing/2014/main" val="10002"/>
                       </a:ext>
                     </a:extLst>
                   </a:tr>
@@ -33187,7 +33279,7 @@
                     </a:tc>
                     <a:extLst>
                       <a:ext uri="{0D108BD9-81ED-4DB2-BD59-A6C34878D82A}">
-                        <a16:rowId xmlns:a16="http://schemas.microsoft.com/office/drawing/2014/main" xmlns="" val="10003"/>
+                        <a16:rowId xmlns="" xmlns:a16="http://schemas.microsoft.com/office/drawing/2014/main" val="10003"/>
                       </a:ext>
                     </a:extLst>
                   </a:tr>
@@ -33337,7 +33429,7 @@
                     </a:tc>
                     <a:extLst>
                       <a:ext uri="{0D108BD9-81ED-4DB2-BD59-A6C34878D82A}">
-                        <a16:rowId xmlns:a16="http://schemas.microsoft.com/office/drawing/2014/main" xmlns="" val="10004"/>
+                        <a16:rowId xmlns="" xmlns:a16="http://schemas.microsoft.com/office/drawing/2014/main" val="10004"/>
                       </a:ext>
                     </a:extLst>
                   </a:tr>
@@ -33870,8 +33962,8 @@
           </a:p>
         </p:txBody>
       </p:sp>
-      <mc:AlternateContent xmlns:mc="http://schemas.openxmlformats.org/markup-compatibility/2006">
-        <mc:Choice xmlns:a14="http://schemas.microsoft.com/office/drawing/2010/main" Requires="a14">
+      <mc:AlternateContent xmlns:mc="http://schemas.openxmlformats.org/markup-compatibility/2006" xmlns:a14="http://schemas.microsoft.com/office/drawing/2010/main">
+        <mc:Choice Requires="a14">
           <p:sp>
             <p:nvSpPr>
               <p:cNvPr id="10" name="テキスト ボックス 9"/>
@@ -33990,13 +34082,7 @@
                   <a:rPr lang="ja-JP" altLang="en-US" sz="2400" dirty="0" smtClean="0">
                     <a:latin typeface="Cambria Math" panose="02040503050406030204" pitchFamily="18" charset="0"/>
                   </a:rPr>
-                  <a:t>転送されて</a:t>
-                </a:r>
-                <a:r>
-                  <a:rPr lang="ja-JP" altLang="en-US" sz="2400" dirty="0" smtClean="0">
-                    <a:latin typeface="Cambria Math" panose="02040503050406030204" pitchFamily="18" charset="0"/>
-                  </a:rPr>
-                  <a:t>いる</a:t>
+                  <a:t>転送されている</a:t>
                 </a:r>
                 <a:endParaRPr lang="en-US" altLang="ja-JP" sz="2400" dirty="0" smtClean="0">
                   <a:latin typeface="Cambria Math" panose="02040503050406030204" pitchFamily="18" charset="0"/>
@@ -34123,7 +34209,7 @@
             </p:txBody>
           </p:sp>
         </mc:Choice>
-        <mc:Fallback>
+        <mc:Fallback xmlns="">
           <p:sp>
             <p:nvSpPr>
               <p:cNvPr id="10" name="テキスト ボックス 9"/>
@@ -34432,137 +34518,581 @@
           <a:p>
             <a:r>
               <a:rPr kumimoji="1" lang="ja-JP" altLang="en-US" dirty="0" smtClean="0"/>
-              <a:t>質疑</a:t>
+              <a:t>質疑 </a:t>
+            </a:r>
+            <a:r>
+              <a:rPr kumimoji="1" lang="en-US" altLang="ja-JP" dirty="0" smtClean="0"/>
+              <a:t>1/4</a:t>
             </a:r>
             <a:endParaRPr kumimoji="1" lang="ja-JP" altLang="en-US" dirty="0"/>
           </a:p>
         </p:txBody>
       </p:sp>
-      <p:sp>
-        <p:nvSpPr>
-          <p:cNvPr id="3" name="コンテンツ プレースホルダー 2"/>
-          <p:cNvSpPr>
-            <a:spLocks noGrp="1"/>
-          </p:cNvSpPr>
-          <p:nvPr>
-            <p:ph idx="1"/>
-          </p:nvPr>
-        </p:nvSpPr>
-        <p:spPr/>
-        <p:txBody>
-          <a:bodyPr>
-            <a:normAutofit fontScale="92500" lnSpcReduction="20000"/>
-          </a:bodyPr>
-          <a:lstStyle/>
-          <a:p>
-            <a:pPr marL="0" indent="0">
-              <a:buNone/>
-            </a:pPr>
-            <a:r>
-              <a:rPr lang="en-US" altLang="ja-JP" dirty="0"/>
-              <a:t>【</a:t>
-            </a:r>
-            <a:r>
-              <a:rPr lang="ja-JP" altLang="en-US" dirty="0"/>
-              <a:t>質問</a:t>
-            </a:r>
-            <a:r>
-              <a:rPr lang="en-US" altLang="ja-JP" dirty="0" smtClean="0"/>
-              <a:t>】</a:t>
-            </a:r>
-          </a:p>
-          <a:p>
-            <a:r>
-              <a:rPr lang="en-US" altLang="ja-JP" dirty="0" smtClean="0"/>
-              <a:t> </a:t>
-            </a:r>
-            <a:r>
-              <a:rPr lang="ja-JP" altLang="en-US" dirty="0"/>
-              <a:t>追加機能の性能指標を計算する際に，スイッチの「受信パケット数」と「転送パケット数」の比を計算しているが，（異なるスライス間の端末を宛先としたパケットのように）ドロップしたパケット数は含めなくてよいのか</a:t>
-            </a:r>
-          </a:p>
-          <a:p>
-            <a:pPr marL="0" indent="0">
-              <a:buNone/>
-            </a:pPr>
-            <a:r>
-              <a:rPr lang="en-US" altLang="ja-JP" dirty="0"/>
-              <a:t>【</a:t>
-            </a:r>
-            <a:r>
-              <a:rPr lang="ja-JP" altLang="en-US" dirty="0"/>
-              <a:t>回答</a:t>
-            </a:r>
-            <a:r>
-              <a:rPr lang="en-US" altLang="ja-JP" dirty="0"/>
-              <a:t>/</a:t>
-            </a:r>
-            <a:r>
-              <a:rPr lang="ja-JP" altLang="en-US" dirty="0"/>
-              <a:t>考察</a:t>
-            </a:r>
-            <a:r>
-              <a:rPr lang="en-US" altLang="ja-JP" dirty="0" smtClean="0"/>
-              <a:t>】</a:t>
-            </a:r>
-          </a:p>
-          <a:p>
-            <a:r>
-              <a:rPr lang="en-US" altLang="ja-JP" dirty="0" smtClean="0"/>
-              <a:t> </a:t>
-            </a:r>
-            <a:r>
-              <a:rPr lang="ja-JP" altLang="en-US" dirty="0"/>
-              <a:t>含めなくてはならない（考察不足だったが，</a:t>
-            </a:r>
-            <a:r>
-              <a:rPr lang="en-US" altLang="ja-JP" dirty="0" err="1"/>
-              <a:t>PortStatsReply</a:t>
-            </a:r>
-            <a:r>
-              <a:rPr lang="ja-JP" altLang="en-US" dirty="0"/>
-              <a:t>の未実装問題でテストができなかったため気づけなかった</a:t>
-            </a:r>
-            <a:r>
-              <a:rPr lang="ja-JP" altLang="en-US" dirty="0" smtClean="0"/>
-              <a:t>）</a:t>
-            </a:r>
-            <a:endParaRPr lang="en-US" altLang="ja-JP" dirty="0" smtClean="0"/>
-          </a:p>
-          <a:p>
-            <a:r>
-              <a:rPr lang="ja-JP" altLang="en-US" dirty="0" smtClean="0"/>
-              <a:t>ドロップパケット数</a:t>
-            </a:r>
-            <a:r>
-              <a:rPr lang="en-US" altLang="ja-JP" dirty="0" err="1" smtClean="0"/>
-              <a:t>Dx_i</a:t>
-            </a:r>
-            <a:r>
-              <a:rPr lang="ja-JP" altLang="en-US" dirty="0" smtClean="0"/>
-              <a:t>を用いて</a:t>
-            </a:r>
-            <a:r>
-              <a:rPr lang="hu-HU" altLang="ja-JP" dirty="0"/>
-              <a:t>r_i = \frac{(Tx_i - Tx_{i-1}) + (Dx_i - Dx_{i-1})}{Rx_i - Rx_{i-1}} </a:t>
-            </a:r>
-            <a:r>
-              <a:rPr lang="ja-JP" altLang="en-US" dirty="0" smtClean="0"/>
-              <a:t>に変更することが考えられる</a:t>
-            </a:r>
-            <a:endParaRPr lang="ja-JP" altLang="en-US" dirty="0"/>
-          </a:p>
-          <a:p>
-            <a:pPr marL="0" indent="0">
-              <a:buNone/>
-            </a:pPr>
-            <a:endParaRPr lang="ja-JP" altLang="en-US" dirty="0"/>
-          </a:p>
-          <a:p>
-            <a:endParaRPr kumimoji="1" lang="ja-JP" altLang="en-US" dirty="0"/>
-          </a:p>
-        </p:txBody>
-      </p:sp>
+      <mc:AlternateContent xmlns:mc="http://schemas.openxmlformats.org/markup-compatibility/2006">
+        <mc:Choice xmlns:a14="http://schemas.microsoft.com/office/drawing/2010/main" Requires="a14">
+          <p:sp>
+            <p:nvSpPr>
+              <p:cNvPr id="3" name="コンテンツ プレースホルダー 2"/>
+              <p:cNvSpPr>
+                <a:spLocks noGrp="1"/>
+              </p:cNvSpPr>
+              <p:nvPr>
+                <p:ph idx="1"/>
+              </p:nvPr>
+            </p:nvSpPr>
+            <p:spPr/>
+            <p:txBody>
+              <a:bodyPr>
+                <a:normAutofit fontScale="85000" lnSpcReduction="20000"/>
+              </a:bodyPr>
+              <a:lstStyle/>
+              <a:p>
+                <a:pPr marL="0" indent="0">
+                  <a:buNone/>
+                </a:pPr>
+                <a:r>
+                  <a:rPr lang="en-US" altLang="ja-JP" dirty="0" smtClean="0"/>
+                  <a:t>【</a:t>
+                </a:r>
+                <a:r>
+                  <a:rPr lang="ja-JP" altLang="en-US" dirty="0"/>
+                  <a:t>質問</a:t>
+                </a:r>
+                <a:r>
+                  <a:rPr lang="en-US" altLang="ja-JP" dirty="0" smtClean="0"/>
+                  <a:t>】</a:t>
+                </a:r>
+              </a:p>
+              <a:p>
+                <a:r>
+                  <a:rPr lang="en-US" altLang="ja-JP" dirty="0" smtClean="0"/>
+                  <a:t> </a:t>
+                </a:r>
+                <a:r>
+                  <a:rPr lang="ja-JP" altLang="en-US" dirty="0"/>
+                  <a:t>追加機能の性能指標を計算する際に，スイッチの「受信パケット数」と「転送パケット数」の比を計算しているが，（異なるスライス間の端末を宛先としたパケットのように）ドロップしたパケット数は含めなくてよいのか</a:t>
+                </a:r>
+              </a:p>
+              <a:p>
+                <a:pPr marL="0" indent="0">
+                  <a:buNone/>
+                </a:pPr>
+                <a:r>
+                  <a:rPr lang="en-US" altLang="ja-JP" dirty="0"/>
+                  <a:t>【</a:t>
+                </a:r>
+                <a:r>
+                  <a:rPr lang="ja-JP" altLang="en-US" dirty="0"/>
+                  <a:t>回答</a:t>
+                </a:r>
+                <a:r>
+                  <a:rPr lang="en-US" altLang="ja-JP" dirty="0"/>
+                  <a:t>/</a:t>
+                </a:r>
+                <a:r>
+                  <a:rPr lang="ja-JP" altLang="en-US" dirty="0"/>
+                  <a:t>考察</a:t>
+                </a:r>
+                <a:r>
+                  <a:rPr lang="en-US" altLang="ja-JP" dirty="0" smtClean="0"/>
+                  <a:t>】</a:t>
+                </a:r>
+              </a:p>
+              <a:p>
+                <a:r>
+                  <a:rPr lang="en-US" altLang="ja-JP" dirty="0" smtClean="0"/>
+                  <a:t> </a:t>
+                </a:r>
+                <a:r>
+                  <a:rPr lang="ja-JP" altLang="en-US" dirty="0"/>
+                  <a:t>含めなくてはならない（考察不足だったが，</a:t>
+                </a:r>
+                <a:r>
+                  <a:rPr lang="en-US" altLang="ja-JP" dirty="0" err="1"/>
+                  <a:t>PortStatsReply</a:t>
+                </a:r>
+                <a:r>
+                  <a:rPr lang="ja-JP" altLang="en-US" dirty="0"/>
+                  <a:t>の未実装問題でテストができなかったため気づけなかった</a:t>
+                </a:r>
+                <a:r>
+                  <a:rPr lang="ja-JP" altLang="en-US" dirty="0" smtClean="0"/>
+                  <a:t>）</a:t>
+                </a:r>
+                <a:endParaRPr lang="en-US" altLang="ja-JP" dirty="0" smtClean="0"/>
+              </a:p>
+              <a:p>
+                <a:r>
+                  <a:rPr lang="ja-JP" altLang="en-US" dirty="0" smtClean="0"/>
+                  <a:t>ドロップパケット数</a:t>
+                </a:r>
+                <a14:m>
+                  <m:oMath xmlns:m="http://schemas.openxmlformats.org/officeDocument/2006/math">
+                    <m:sSub>
+                      <m:sSubPr>
+                        <m:ctrlPr>
+                          <a:rPr lang="en-US" altLang="ja-JP" i="1" smtClean="0">
+                            <a:latin typeface="Cambria Math"/>
+                          </a:rPr>
+                        </m:ctrlPr>
+                      </m:sSubPr>
+                      <m:e>
+                        <m:r>
+                          <a:rPr lang="en-US" altLang="ja-JP" b="0" i="1" smtClean="0">
+                            <a:latin typeface="Cambria Math"/>
+                          </a:rPr>
+                          <m:t>𝐷</m:t>
+                        </m:r>
+                      </m:e>
+                      <m:sub>
+                        <m:r>
+                          <a:rPr lang="en-US" altLang="ja-JP" i="1">
+                            <a:latin typeface="Cambria Math"/>
+                          </a:rPr>
+                          <m:t>𝑖</m:t>
+                        </m:r>
+                      </m:sub>
+                    </m:sSub>
+                  </m:oMath>
+                </a14:m>
+                <a:r>
+                  <a:rPr lang="ja-JP" altLang="en-US" dirty="0" smtClean="0"/>
+                  <a:t>を</a:t>
+                </a:r>
+                <a:r>
+                  <a:rPr lang="ja-JP" altLang="en-US" dirty="0" smtClean="0"/>
+                  <a:t>用いて</a:t>
+                </a:r>
+                <a:endParaRPr lang="en-US" altLang="ja-JP" dirty="0" smtClean="0"/>
+              </a:p>
+              <a:p>
+                <a:pPr marL="457200" lvl="1" indent="0" algn="ctr">
+                  <a:buNone/>
+                </a:pPr>
+                <a14:m>
+                  <m:oMath xmlns:m="http://schemas.openxmlformats.org/officeDocument/2006/math">
+                    <m:sSub>
+                      <m:sSubPr>
+                        <m:ctrlPr>
+                          <a:rPr lang="en-US" altLang="ja-JP" i="1">
+                            <a:solidFill>
+                              <a:srgbClr val="FF0000"/>
+                            </a:solidFill>
+                            <a:latin typeface="Cambria Math"/>
+                          </a:rPr>
+                        </m:ctrlPr>
+                      </m:sSubPr>
+                      <m:e>
+                        <m:r>
+                          <a:rPr lang="en-US" altLang="ja-JP" i="1">
+                            <a:solidFill>
+                              <a:srgbClr val="FF0000"/>
+                            </a:solidFill>
+                            <a:latin typeface="Cambria Math"/>
+                          </a:rPr>
+                          <m:t>𝑟</m:t>
+                        </m:r>
+                      </m:e>
+                      <m:sub>
+                        <m:r>
+                          <a:rPr lang="en-US" altLang="ja-JP" i="1">
+                            <a:solidFill>
+                              <a:srgbClr val="FF0000"/>
+                            </a:solidFill>
+                            <a:latin typeface="Cambria Math"/>
+                          </a:rPr>
+                          <m:t>𝑖</m:t>
+                        </m:r>
+                      </m:sub>
+                    </m:sSub>
+                    <m:r>
+                      <a:rPr lang="en-US" altLang="ja-JP" i="1">
+                        <a:solidFill>
+                          <a:srgbClr val="FF0000"/>
+                        </a:solidFill>
+                        <a:latin typeface="Cambria Math"/>
+                      </a:rPr>
+                      <m:t>=</m:t>
+                    </m:r>
+                  </m:oMath>
+                </a14:m>
+                <a:r>
+                  <a:rPr lang="ja-JP" altLang="en-US" dirty="0">
+                    <a:solidFill>
+                      <a:srgbClr val="FF0000"/>
+                    </a:solidFill>
+                  </a:rPr>
+                  <a:t> </a:t>
+                </a:r>
+                <a14:m>
+                  <m:oMath xmlns:m="http://schemas.openxmlformats.org/officeDocument/2006/math">
+                    <m:f>
+                      <m:fPr>
+                        <m:ctrlPr>
+                          <a:rPr lang="en-US" altLang="ja-JP" i="1">
+                            <a:solidFill>
+                              <a:srgbClr val="FF0000"/>
+                            </a:solidFill>
+                            <a:latin typeface="Cambria Math"/>
+                          </a:rPr>
+                        </m:ctrlPr>
+                      </m:fPr>
+                      <m:num>
+                        <m:sSub>
+                          <m:sSubPr>
+                            <m:ctrlPr>
+                              <a:rPr lang="en-US" altLang="ja-JP" i="1">
+                                <a:solidFill>
+                                  <a:srgbClr val="FF0000"/>
+                                </a:solidFill>
+                                <a:latin typeface="Cambria Math"/>
+                              </a:rPr>
+                            </m:ctrlPr>
+                          </m:sSubPr>
+                          <m:e>
+                            <m:r>
+                              <a:rPr lang="en-US" altLang="ja-JP" i="1">
+                                <a:solidFill>
+                                  <a:srgbClr val="FF0000"/>
+                                </a:solidFill>
+                                <a:latin typeface="Cambria Math"/>
+                              </a:rPr>
+                              <m:t>𝐹</m:t>
+                            </m:r>
+                          </m:e>
+                          <m:sub>
+                            <m:r>
+                              <a:rPr lang="en-US" altLang="ja-JP" i="1">
+                                <a:solidFill>
+                                  <a:srgbClr val="FF0000"/>
+                                </a:solidFill>
+                                <a:latin typeface="Cambria Math"/>
+                              </a:rPr>
+                              <m:t>𝑖</m:t>
+                            </m:r>
+                          </m:sub>
+                        </m:sSub>
+                        <m:r>
+                          <a:rPr lang="en-US" altLang="ja-JP" i="1">
+                            <a:solidFill>
+                              <a:srgbClr val="FF0000"/>
+                            </a:solidFill>
+                            <a:latin typeface="Cambria Math"/>
+                          </a:rPr>
+                          <m:t> −</m:t>
+                        </m:r>
+                        <m:sSub>
+                          <m:sSubPr>
+                            <m:ctrlPr>
+                              <a:rPr lang="en-US" altLang="ja-JP" i="1">
+                                <a:solidFill>
+                                  <a:srgbClr val="FF0000"/>
+                                </a:solidFill>
+                                <a:latin typeface="Cambria Math"/>
+                              </a:rPr>
+                            </m:ctrlPr>
+                          </m:sSubPr>
+                          <m:e>
+                            <m:r>
+                              <a:rPr lang="en-US" altLang="ja-JP" i="1">
+                                <a:solidFill>
+                                  <a:srgbClr val="FF0000"/>
+                                </a:solidFill>
+                                <a:latin typeface="Cambria Math"/>
+                              </a:rPr>
+                              <m:t>𝐹</m:t>
+                            </m:r>
+                          </m:e>
+                          <m:sub>
+                            <m:r>
+                              <a:rPr lang="en-US" altLang="ja-JP" i="1">
+                                <a:solidFill>
+                                  <a:srgbClr val="FF0000"/>
+                                </a:solidFill>
+                                <a:latin typeface="Cambria Math"/>
+                              </a:rPr>
+                              <m:t>𝑖</m:t>
+                            </m:r>
+                            <m:r>
+                              <a:rPr lang="en-US" altLang="ja-JP" i="1">
+                                <a:solidFill>
+                                  <a:srgbClr val="FF0000"/>
+                                </a:solidFill>
+                                <a:latin typeface="Cambria Math"/>
+                              </a:rPr>
+                              <m:t>−1</m:t>
+                            </m:r>
+                          </m:sub>
+                        </m:sSub>
+                        <m:r>
+                          <a:rPr lang="en-US" altLang="ja-JP" b="0" i="1" smtClean="0">
+                            <a:solidFill>
+                              <a:srgbClr val="FF0000"/>
+                            </a:solidFill>
+                            <a:latin typeface="Cambria Math"/>
+                          </a:rPr>
+                          <m:t>+</m:t>
+                        </m:r>
+                        <m:sSub>
+                          <m:sSubPr>
+                            <m:ctrlPr>
+                              <a:rPr lang="en-US" altLang="ja-JP" i="1">
+                                <a:solidFill>
+                                  <a:srgbClr val="FF0000"/>
+                                </a:solidFill>
+                                <a:latin typeface="Cambria Math"/>
+                              </a:rPr>
+                            </m:ctrlPr>
+                          </m:sSubPr>
+                          <m:e>
+                            <m:r>
+                              <a:rPr lang="en-US" altLang="ja-JP" b="0" i="1" smtClean="0">
+                                <a:solidFill>
+                                  <a:srgbClr val="FF0000"/>
+                                </a:solidFill>
+                                <a:latin typeface="Cambria Math"/>
+                              </a:rPr>
+                              <m:t>𝐷</m:t>
+                            </m:r>
+                          </m:e>
+                          <m:sub>
+                            <m:r>
+                              <a:rPr lang="en-US" altLang="ja-JP" i="1">
+                                <a:solidFill>
+                                  <a:srgbClr val="FF0000"/>
+                                </a:solidFill>
+                                <a:latin typeface="Cambria Math"/>
+                              </a:rPr>
+                              <m:t>𝑖</m:t>
+                            </m:r>
+                          </m:sub>
+                        </m:sSub>
+                        <m:r>
+                          <a:rPr lang="en-US" altLang="ja-JP" i="1">
+                            <a:solidFill>
+                              <a:srgbClr val="FF0000"/>
+                            </a:solidFill>
+                            <a:latin typeface="Cambria Math"/>
+                          </a:rPr>
+                          <m:t> −</m:t>
+                        </m:r>
+                        <m:sSub>
+                          <m:sSubPr>
+                            <m:ctrlPr>
+                              <a:rPr lang="en-US" altLang="ja-JP" i="1">
+                                <a:solidFill>
+                                  <a:srgbClr val="FF0000"/>
+                                </a:solidFill>
+                                <a:latin typeface="Cambria Math"/>
+                              </a:rPr>
+                            </m:ctrlPr>
+                          </m:sSubPr>
+                          <m:e>
+                            <m:r>
+                              <a:rPr lang="en-US" altLang="ja-JP" b="0" i="1" smtClean="0">
+                                <a:solidFill>
+                                  <a:srgbClr val="FF0000"/>
+                                </a:solidFill>
+                                <a:latin typeface="Cambria Math"/>
+                              </a:rPr>
+                              <m:t>𝐷</m:t>
+                            </m:r>
+                          </m:e>
+                          <m:sub>
+                            <m:r>
+                              <a:rPr lang="en-US" altLang="ja-JP" i="1">
+                                <a:solidFill>
+                                  <a:srgbClr val="FF0000"/>
+                                </a:solidFill>
+                                <a:latin typeface="Cambria Math"/>
+                              </a:rPr>
+                              <m:t>𝑖</m:t>
+                            </m:r>
+                            <m:r>
+                              <a:rPr lang="en-US" altLang="ja-JP" i="1">
+                                <a:solidFill>
+                                  <a:srgbClr val="FF0000"/>
+                                </a:solidFill>
+                                <a:latin typeface="Cambria Math"/>
+                              </a:rPr>
+                              <m:t>−1</m:t>
+                            </m:r>
+                          </m:sub>
+                        </m:sSub>
+                      </m:num>
+                      <m:den>
+                        <m:sSub>
+                          <m:sSubPr>
+                            <m:ctrlPr>
+                              <a:rPr lang="en-US" altLang="ja-JP" i="1">
+                                <a:solidFill>
+                                  <a:srgbClr val="FF0000"/>
+                                </a:solidFill>
+                                <a:latin typeface="Cambria Math"/>
+                              </a:rPr>
+                            </m:ctrlPr>
+                          </m:sSubPr>
+                          <m:e>
+                            <m:r>
+                              <a:rPr lang="en-US" altLang="ja-JP" i="1">
+                                <a:solidFill>
+                                  <a:srgbClr val="FF0000"/>
+                                </a:solidFill>
+                                <a:latin typeface="Cambria Math"/>
+                              </a:rPr>
+                              <m:t>𝑅</m:t>
+                            </m:r>
+                          </m:e>
+                          <m:sub>
+                            <m:r>
+                              <a:rPr lang="en-US" altLang="ja-JP" i="1">
+                                <a:solidFill>
+                                  <a:srgbClr val="FF0000"/>
+                                </a:solidFill>
+                                <a:latin typeface="Cambria Math"/>
+                              </a:rPr>
+                              <m:t>𝑖</m:t>
+                            </m:r>
+                          </m:sub>
+                        </m:sSub>
+                        <m:r>
+                          <a:rPr lang="en-US" altLang="ja-JP" i="1">
+                            <a:solidFill>
+                              <a:srgbClr val="FF0000"/>
+                            </a:solidFill>
+                            <a:latin typeface="Cambria Math"/>
+                          </a:rPr>
+                          <m:t> −</m:t>
+                        </m:r>
+                        <m:sSub>
+                          <m:sSubPr>
+                            <m:ctrlPr>
+                              <a:rPr lang="en-US" altLang="ja-JP" i="1">
+                                <a:solidFill>
+                                  <a:srgbClr val="FF0000"/>
+                                </a:solidFill>
+                                <a:latin typeface="Cambria Math"/>
+                              </a:rPr>
+                            </m:ctrlPr>
+                          </m:sSubPr>
+                          <m:e>
+                            <m:r>
+                              <a:rPr lang="en-US" altLang="ja-JP" i="1">
+                                <a:solidFill>
+                                  <a:srgbClr val="FF0000"/>
+                                </a:solidFill>
+                                <a:latin typeface="Cambria Math"/>
+                              </a:rPr>
+                              <m:t>𝑅</m:t>
+                            </m:r>
+                          </m:e>
+                          <m:sub>
+                            <m:r>
+                              <a:rPr lang="en-US" altLang="ja-JP" i="1">
+                                <a:solidFill>
+                                  <a:srgbClr val="FF0000"/>
+                                </a:solidFill>
+                                <a:latin typeface="Cambria Math"/>
+                              </a:rPr>
+                              <m:t>𝑖</m:t>
+                            </m:r>
+                            <m:r>
+                              <a:rPr lang="en-US" altLang="ja-JP" i="1">
+                                <a:solidFill>
+                                  <a:srgbClr val="FF0000"/>
+                                </a:solidFill>
+                                <a:latin typeface="Cambria Math"/>
+                              </a:rPr>
+                              <m:t>−1</m:t>
+                            </m:r>
+                          </m:sub>
+                        </m:sSub>
+                      </m:den>
+                    </m:f>
+                  </m:oMath>
+                </a14:m>
+                <a:r>
+                  <a:rPr lang="ja-JP" altLang="en-US" dirty="0">
+                    <a:solidFill>
+                      <a:srgbClr val="FF0000"/>
+                    </a:solidFill>
+                  </a:rPr>
+                  <a:t> </a:t>
+                </a:r>
+                <a:endParaRPr lang="en-US" altLang="ja-JP" dirty="0" smtClean="0"/>
+              </a:p>
+              <a:p>
+                <a:pPr marL="0" indent="0">
+                  <a:buNone/>
+                </a:pPr>
+                <a:r>
+                  <a:rPr lang="ja-JP" altLang="en-US" dirty="0" smtClean="0"/>
+                  <a:t>に</a:t>
+                </a:r>
+                <a:r>
+                  <a:rPr lang="ja-JP" altLang="en-US" dirty="0" smtClean="0"/>
+                  <a:t>変更する</a:t>
+                </a:r>
+                <a:r>
+                  <a:rPr lang="ja-JP" altLang="en-US" dirty="0" smtClean="0"/>
+                  <a:t>こと</a:t>
+                </a:r>
+                <a:r>
+                  <a:rPr lang="ja-JP" altLang="en-US" dirty="0"/>
+                  <a:t>で</a:t>
+                </a:r>
+                <a:r>
+                  <a:rPr lang="ja-JP" altLang="en-US" dirty="0" smtClean="0"/>
+                  <a:t>解決できると考えられる</a:t>
+                </a:r>
+                <a:endParaRPr lang="ja-JP" altLang="en-US" dirty="0"/>
+              </a:p>
+              <a:p>
+                <a:pPr marL="0" indent="0">
+                  <a:buNone/>
+                </a:pPr>
+                <a:endParaRPr lang="ja-JP" altLang="en-US" dirty="0"/>
+              </a:p>
+              <a:p>
+                <a:endParaRPr kumimoji="1" lang="ja-JP" altLang="en-US" dirty="0"/>
+              </a:p>
+            </p:txBody>
+          </p:sp>
+        </mc:Choice>
+        <mc:Fallback>
+          <p:sp>
+            <p:nvSpPr>
+              <p:cNvPr id="3" name="コンテンツ プレースホルダー 2"/>
+              <p:cNvSpPr>
+                <a:spLocks noGrp="1" noRot="1" noChangeAspect="1" noMove="1" noResize="1" noEditPoints="1" noAdjustHandles="1" noChangeArrowheads="1" noChangeShapeType="1" noTextEdit="1"/>
+              </p:cNvSpPr>
+              <p:nvPr>
+                <p:ph idx="1"/>
+              </p:nvPr>
+            </p:nvSpPr>
+            <p:spPr>
+              <a:blipFill rotWithShape="1">
+                <a:blip r:embed="rId2"/>
+                <a:stretch>
+                  <a:fillRect l="-1159" t="-3922" r="-696"/>
+                </a:stretch>
+              </a:blipFill>
+            </p:spPr>
+            <p:txBody>
+              <a:bodyPr/>
+              <a:lstStyle/>
+              <a:p>
+                <a:r>
+                  <a:rPr lang="ja-JP" altLang="en-US">
+                    <a:noFill/>
+                  </a:rPr>
+                  <a:t> </a:t>
+                </a:r>
+              </a:p>
+            </p:txBody>
+          </p:sp>
+        </mc:Fallback>
+      </mc:AlternateContent>
       <p:sp>
         <p:nvSpPr>
           <p:cNvPr id="4" name="スライド番号プレースホルダー 3"/>
@@ -34631,7 +35161,15 @@
           <a:bodyPr/>
           <a:lstStyle/>
           <a:p>
-            <a:endParaRPr kumimoji="1" lang="ja-JP" altLang="en-US"/>
+            <a:r>
+              <a:rPr lang="ja-JP" altLang="en-US" dirty="0"/>
+              <a:t>質疑 </a:t>
+            </a:r>
+            <a:r>
+              <a:rPr lang="en-US" altLang="ja-JP" dirty="0" smtClean="0"/>
+              <a:t>2/4</a:t>
+            </a:r>
+            <a:endParaRPr kumimoji="1" lang="ja-JP" altLang="en-US" dirty="0"/>
           </a:p>
         </p:txBody>
       </p:sp>
@@ -37798,7 +38336,15 @@
           <a:bodyPr/>
           <a:lstStyle/>
           <a:p>
-            <a:endParaRPr kumimoji="1" lang="ja-JP" altLang="en-US"/>
+            <a:r>
+              <a:rPr lang="ja-JP" altLang="en-US" dirty="0"/>
+              <a:t>質疑 </a:t>
+            </a:r>
+            <a:r>
+              <a:rPr lang="en-US" altLang="ja-JP" dirty="0" smtClean="0"/>
+              <a:t>3/4</a:t>
+            </a:r>
+            <a:endParaRPr kumimoji="1" lang="ja-JP" altLang="en-US" dirty="0"/>
           </a:p>
         </p:txBody>
       </p:sp>
@@ -38070,7 +38616,15 @@
           <a:bodyPr/>
           <a:lstStyle/>
           <a:p>
-            <a:endParaRPr kumimoji="1" lang="ja-JP" altLang="en-US"/>
+            <a:r>
+              <a:rPr lang="ja-JP" altLang="en-US" dirty="0"/>
+              <a:t>質疑 </a:t>
+            </a:r>
+            <a:r>
+              <a:rPr lang="en-US" altLang="ja-JP" dirty="0" smtClean="0"/>
+              <a:t>4/4</a:t>
+            </a:r>
+            <a:endParaRPr kumimoji="1" lang="ja-JP" altLang="en-US" dirty="0"/>
           </a:p>
         </p:txBody>
       </p:sp>
@@ -40024,7 +40578,7 @@
         <p:spPr/>
         <p:txBody>
           <a:bodyPr>
-            <a:normAutofit lnSpcReduction="10000"/>
+            <a:normAutofit/>
           </a:bodyPr>
           <a:lstStyle/>
           <a:p>
@@ -40047,52 +40601,6 @@
               <a:buNone/>
             </a:pPr>
             <a:endParaRPr lang="en-US" altLang="ja-JP" dirty="0"/>
-          </a:p>
-          <a:p>
-            <a:pPr marL="0" indent="0">
-              <a:buNone/>
-            </a:pPr>
-            <a:r>
-              <a:rPr kumimoji="1" lang="ja-JP" altLang="en-US" dirty="0" smtClean="0"/>
-              <a:t>貢献度</a:t>
-            </a:r>
-            <a:endParaRPr lang="en-US" altLang="ja-JP" dirty="0"/>
-          </a:p>
-          <a:p>
-            <a:r>
-              <a:rPr lang="ja-JP" altLang="en-US" dirty="0" smtClean="0"/>
-              <a:t>阿部</a:t>
-            </a:r>
-            <a:endParaRPr lang="en-US" altLang="ja-JP" dirty="0" smtClean="0"/>
-          </a:p>
-          <a:p>
-            <a:r>
-              <a:rPr kumimoji="1" lang="ja-JP" altLang="en-US" dirty="0" smtClean="0"/>
-              <a:t>佐竹</a:t>
-            </a:r>
-            <a:endParaRPr kumimoji="1" lang="en-US" altLang="ja-JP" dirty="0" smtClean="0"/>
-          </a:p>
-          <a:p>
-            <a:r>
-              <a:rPr lang="ja-JP" altLang="en-US" dirty="0" smtClean="0"/>
-              <a:t>錦織：</a:t>
-            </a:r>
-            <a:r>
-              <a:rPr lang="en-US" altLang="ja-JP" dirty="0" smtClean="0"/>
-              <a:t>10%</a:t>
-            </a:r>
-            <a:r>
-              <a:rPr lang="ja-JP" altLang="en-US" dirty="0" smtClean="0"/>
-              <a:t>？</a:t>
-            </a:r>
-            <a:endParaRPr lang="en-US" altLang="ja-JP" dirty="0" smtClean="0"/>
-          </a:p>
-          <a:p>
-            <a:r>
-              <a:rPr kumimoji="1" lang="ja-JP" altLang="en-US" dirty="0"/>
-              <a:t>西村</a:t>
-            </a:r>
-            <a:endParaRPr kumimoji="1" lang="en-US" altLang="ja-JP" dirty="0" smtClean="0"/>
           </a:p>
         </p:txBody>
       </p:sp>
@@ -40128,13 +40636,13 @@
           <p:nvPr>
             <p:extLst>
               <p:ext uri="{D42A27DB-BD31-4B8C-83A1-F6EECF244321}">
-                <p14:modId xmlns:p14="http://schemas.microsoft.com/office/powerpoint/2010/main" val="3326354680"/>
+                <p14:modId xmlns:p14="http://schemas.microsoft.com/office/powerpoint/2010/main" val="401976296"/>
               </p:ext>
             </p:extLst>
           </p:nvPr>
         </p:nvGraphicFramePr>
         <p:xfrm>
-          <a:off x="1601763" y="1565329"/>
+          <a:off x="1586265" y="2851688"/>
           <a:ext cx="6007904" cy="2021840"/>
         </p:xfrm>
         <a:graphic>
@@ -40144,8 +40652,8 @@
                 <a:tableStyleId>{69CF1AB2-1976-4502-BF36-3FF5EA218861}</a:tableStyleId>
               </a:tblPr>
               <a:tblGrid>
-                <a:gridCol w="697552"/>
-                <a:gridCol w="5310352"/>
+                <a:gridCol w="676488"/>
+                <a:gridCol w="5331416"/>
               </a:tblGrid>
               <a:tr h="370840">
                 <a:tc>
@@ -41088,11 +41596,11 @@
   <p:clrMapOvr>
     <a:masterClrMapping/>
   </p:clrMapOvr>
-  <mc:AlternateContent xmlns:mc="http://schemas.openxmlformats.org/markup-compatibility/2006">
-    <mc:Choice xmlns:p14="http://schemas.microsoft.com/office/powerpoint/2010/main" Requires="p14">
+  <mc:AlternateContent xmlns:mc="http://schemas.openxmlformats.org/markup-compatibility/2006" xmlns:p14="http://schemas.microsoft.com/office/powerpoint/2010/main">
+    <mc:Choice Requires="p14">
       <p:transition spd="slow" p14:dur="2000"/>
     </mc:Choice>
-    <mc:Fallback>
+    <mc:Fallback xmlns="">
       <p:transition spd="slow"/>
     </mc:Fallback>
   </mc:AlternateContent>
@@ -41688,7 +42196,7 @@
   <a:extraClrSchemeLst/>
   <a:extLst>
     <a:ext uri="{05A4C25C-085E-4340-85A3-A5531E510DB2}">
-      <thm15:themeFamily xmlns:thm15="http://schemas.microsoft.com/office/thememl/2012/main" xmlns="" name="Office Theme" id="{62F939B6-93AF-4DB8-9C6B-D6C7DFDC589F}" vid="{4A3C46E8-61CC-4603-A589-7422A47A8E4A}"/>
+      <thm15:themeFamily xmlns="" xmlns:thm15="http://schemas.microsoft.com/office/thememl/2012/main" name="Office Theme" id="{62F939B6-93AF-4DB8-9C6B-D6C7DFDC589F}" vid="{4A3C46E8-61CC-4603-A589-7422A47A8E4A}"/>
     </a:ext>
   </a:extLst>
 </a:theme>
@@ -41949,7 +42457,7 @@
   <a:extraClrSchemeLst/>
   <a:extLst>
     <a:ext uri="{05A4C25C-085E-4340-85A3-A5531E510DB2}">
-      <thm15:themeFamily xmlns:thm15="http://schemas.microsoft.com/office/thememl/2012/main" xmlns="" name="Office Theme" id="{62F939B6-93AF-4DB8-9C6B-D6C7DFDC589F}" vid="{4A3C46E8-61CC-4603-A589-7422A47A8E4A}"/>
+      <thm15:themeFamily xmlns="" xmlns:thm15="http://schemas.microsoft.com/office/thememl/2012/main" name="Office Theme" id="{62F939B6-93AF-4DB8-9C6B-D6C7DFDC589F}" vid="{4A3C46E8-61CC-4603-A589-7422A47A8E4A}"/>
     </a:ext>
   </a:extLst>
 </a:theme>
